--- a/videoLessonPlan/ppt/2 常见变量类型和赋值.pptx
+++ b/videoLessonPlan/ppt/2 常见变量类型和赋值.pptx
@@ -3174,7 +3174,7 @@
         </p:nvSpPr>
         <p:spPr>
           <a:xfrm>
-            <a:off x="1778635" y="2218690"/>
+            <a:off x="1778635" y="2153920"/>
             <a:ext cx="8167370" cy="1383665"/>
           </a:xfrm>
           <a:prstGeom prst="rect">
@@ -3189,7 +3189,33 @@
           <a:p>
             <a:r>
               <a:rPr sz="2800"/>
-              <a:t>Python 是一种动态类型语言，不需要在声明变量时指定其类型；变量的类型会基于赋给它的值自动确定。</a:t>
+              <a:t>Python 是一种</a:t>
+            </a:r>
+            <a:r>
+              <a:rPr sz="2800">
+                <a:solidFill>
+                  <a:srgbClr val="FF0000"/>
+                </a:solidFill>
+              </a:rPr>
+              <a:t>动态类型语言</a:t>
+            </a:r>
+            <a:r>
+              <a:rPr sz="2800"/>
+              <a:t>，</a:t>
+            </a:r>
+            <a:endParaRPr sz="2800"/>
+          </a:p>
+          <a:p>
+            <a:r>
+              <a:rPr sz="2800"/>
+              <a:t>不需要在声明变量时指定其类型；</a:t>
+            </a:r>
+            <a:endParaRPr sz="2800"/>
+          </a:p>
+          <a:p>
+            <a:r>
+              <a:rPr sz="2800"/>
+              <a:t>变量的类型会基于赋给它的值自动确定。</a:t>
             </a:r>
             <a:endParaRPr sz="2800"/>
           </a:p>
@@ -3204,7 +3230,7 @@
         <p:spPr>
           <a:xfrm>
             <a:off x="1778635" y="3981450"/>
-            <a:ext cx="8300085" cy="1383665"/>
+            <a:ext cx="8300085" cy="521970"/>
           </a:xfrm>
           <a:prstGeom prst="rect">
             <a:avLst/>
@@ -3218,7 +3244,19 @@
           <a:p>
             <a:r>
               <a:rPr sz="2800"/>
-              <a:t>Python 是一种动态类型语言，不需要在声明变量时指定其类型；变量的类型会基于赋给它的值自动确定。</a:t>
+              <a:t>python 中可以通过</a:t>
+            </a:r>
+            <a:r>
+              <a:rPr sz="2800">
+                <a:solidFill>
+                  <a:srgbClr val="FF0000"/>
+                </a:solidFill>
+              </a:rPr>
+              <a:t>type()</a:t>
+            </a:r>
+            <a:r>
+              <a:rPr sz="2800"/>
+              <a:t>函数来获取变量的类型。。</a:t>
             </a:r>
             <a:endParaRPr sz="2800"/>
           </a:p>
@@ -3289,7 +3327,7 @@
           <a:p>
             <a:r>
               <a:rPr lang="zh-CN" altLang="en-US"/>
-              <a:t>常见的变量</a:t>
+              <a:t>常见的变量类型</a:t>
             </a:r>
             <a:endParaRPr lang="zh-CN" altLang="en-US"/>
           </a:p>
@@ -3518,7 +3556,7 @@
                       </a:pPr>
                       <a:r>
                         <a:rPr lang="zh-CN" altLang="en-US"/>
-                        <a:t> num=2.0</a:t>
+                        <a:t>num=2.0</a:t>
                       </a:r>
                       <a:endParaRPr lang="zh-CN" altLang="en-US"/>
                     </a:p>
